--- a/CaseStudy-Sprint1/E-Commerce Website.pptx
+++ b/CaseStudy-Sprint1/E-Commerce Website.pptx
@@ -118,16 +118,32 @@
 </p:presentation>
 </file>
 
-<file path=ppt/revisionInfo.xml><?xml version="1.0" encoding="utf-8"?>
-<p1510:revInfo xmlns:a="http://schemas.openxmlformats.org/drawingml/2006/main" xmlns:r="http://schemas.openxmlformats.org/officeDocument/2006/relationships" xmlns:p1510="http://schemas.microsoft.com/office/powerpoint/2015/10/main">
-  <p1510:revLst>
-    <p1510:client id="{479015B6-927F-4926-B05A-E30AF7A2C9C1}" v="17" dt="2022-06-20T13:48:58.903"/>
-  </p1510:revLst>
-</p1510:revInfo>
-</file>
-
 <file path=ppt/changesInfos/changesInfo1.xml><?xml version="1.0" encoding="utf-8"?>
 <pc:chgInfo xmlns:a="http://schemas.openxmlformats.org/drawingml/2006/main" xmlns:r="http://schemas.openxmlformats.org/officeDocument/2006/relationships" xmlns:ac="http://schemas.microsoft.com/office/drawing/2013/main/command" xmlns:pc="http://schemas.microsoft.com/office/powerpoint/2013/main/command">
+  <pc:docChgLst>
+    <pc:chgData name="Devanshi Joshi" userId="9466021e4b853519" providerId="LiveId" clId="{7A28F0A3-E289-4D3F-8C92-321013A72733}"/>
+    <pc:docChg chg="modSld">
+      <pc:chgData name="Devanshi Joshi" userId="9466021e4b853519" providerId="LiveId" clId="{7A28F0A3-E289-4D3F-8C92-321013A72733}" dt="2022-06-29T04:12:56.561" v="16" actId="20577"/>
+      <pc:docMkLst>
+        <pc:docMk/>
+      </pc:docMkLst>
+      <pc:sldChg chg="modSp mod">
+        <pc:chgData name="Devanshi Joshi" userId="9466021e4b853519" providerId="LiveId" clId="{7A28F0A3-E289-4D3F-8C92-321013A72733}" dt="2022-06-29T04:12:56.561" v="16" actId="20577"/>
+        <pc:sldMkLst>
+          <pc:docMk/>
+          <pc:sldMk cId="2246092585" sldId="262"/>
+        </pc:sldMkLst>
+        <pc:spChg chg="mod">
+          <ac:chgData name="Devanshi Joshi" userId="9466021e4b853519" providerId="LiveId" clId="{7A28F0A3-E289-4D3F-8C92-321013A72733}" dt="2022-06-29T04:12:56.561" v="16" actId="20577"/>
+          <ac:spMkLst>
+            <pc:docMk/>
+            <pc:sldMk cId="2246092585" sldId="262"/>
+            <ac:spMk id="3" creationId="{4975B2FB-5CDD-D1AE-D4CD-A5FB450767ED}"/>
+          </ac:spMkLst>
+        </pc:spChg>
+      </pc:sldChg>
+    </pc:docChg>
+  </pc:docChgLst>
   <pc:docChgLst>
     <pc:chgData name="Devanshi Joshi" userId="9466021e4b853519" providerId="LiveId" clId="{479015B6-927F-4926-B05A-E30AF7A2C9C1}"/>
     <pc:docChg chg="undo custSel addSld modSld">
@@ -8893,7 +8909,7 @@
           <a:p>
             <a:fld id="{DADADBEE-92F3-49F7-ADDD-390A2F18852D}" type="datetimeFigureOut">
               <a:rPr lang="en-IN" smtClean="0"/>
-              <a:t>27-06-2022</a:t>
+              <a:t>29-06-2022</a:t>
             </a:fld>
             <a:endParaRPr lang="en-IN" dirty="0"/>
           </a:p>
@@ -9144,7 +9160,7 @@
           <a:p>
             <a:fld id="{DADADBEE-92F3-49F7-ADDD-390A2F18852D}" type="datetimeFigureOut">
               <a:rPr lang="en-IN" smtClean="0"/>
-              <a:t>27-06-2022</a:t>
+              <a:t>29-06-2022</a:t>
             </a:fld>
             <a:endParaRPr lang="en-IN" dirty="0"/>
           </a:p>
@@ -9458,7 +9474,7 @@
           <a:p>
             <a:fld id="{DADADBEE-92F3-49F7-ADDD-390A2F18852D}" type="datetimeFigureOut">
               <a:rPr lang="en-IN" smtClean="0"/>
-              <a:t>27-06-2022</a:t>
+              <a:t>29-06-2022</a:t>
             </a:fld>
             <a:endParaRPr lang="en-IN" dirty="0"/>
           </a:p>
@@ -9791,7 +9807,7 @@
           <a:p>
             <a:fld id="{DADADBEE-92F3-49F7-ADDD-390A2F18852D}" type="datetimeFigureOut">
               <a:rPr lang="en-IN" smtClean="0"/>
-              <a:t>27-06-2022</a:t>
+              <a:t>29-06-2022</a:t>
             </a:fld>
             <a:endParaRPr lang="en-IN" dirty="0"/>
           </a:p>
@@ -10105,7 +10121,7 @@
           <a:p>
             <a:fld id="{DADADBEE-92F3-49F7-ADDD-390A2F18852D}" type="datetimeFigureOut">
               <a:rPr lang="en-IN" smtClean="0"/>
-              <a:t>27-06-2022</a:t>
+              <a:t>29-06-2022</a:t>
             </a:fld>
             <a:endParaRPr lang="en-IN" dirty="0"/>
           </a:p>
@@ -10498,7 +10514,7 @@
           <a:p>
             <a:fld id="{DADADBEE-92F3-49F7-ADDD-390A2F18852D}" type="datetimeFigureOut">
               <a:rPr lang="en-IN" smtClean="0"/>
-              <a:t>27-06-2022</a:t>
+              <a:t>29-06-2022</a:t>
             </a:fld>
             <a:endParaRPr lang="en-IN" dirty="0"/>
           </a:p>
@@ -10668,7 +10684,7 @@
           <a:p>
             <a:fld id="{DADADBEE-92F3-49F7-ADDD-390A2F18852D}" type="datetimeFigureOut">
               <a:rPr lang="en-IN" smtClean="0"/>
-              <a:t>27-06-2022</a:t>
+              <a:t>29-06-2022</a:t>
             </a:fld>
             <a:endParaRPr lang="en-IN" dirty="0"/>
           </a:p>
@@ -10848,7 +10864,7 @@
           <a:p>
             <a:fld id="{DADADBEE-92F3-49F7-ADDD-390A2F18852D}" type="datetimeFigureOut">
               <a:rPr lang="en-IN" smtClean="0"/>
-              <a:t>27-06-2022</a:t>
+              <a:t>29-06-2022</a:t>
             </a:fld>
             <a:endParaRPr lang="en-IN" dirty="0"/>
           </a:p>
@@ -11018,7 +11034,7 @@
           <a:p>
             <a:fld id="{DADADBEE-92F3-49F7-ADDD-390A2F18852D}" type="datetimeFigureOut">
               <a:rPr lang="en-IN" smtClean="0"/>
-              <a:t>27-06-2022</a:t>
+              <a:t>29-06-2022</a:t>
             </a:fld>
             <a:endParaRPr lang="en-IN" dirty="0"/>
           </a:p>
@@ -11265,7 +11281,7 @@
           <a:p>
             <a:fld id="{DADADBEE-92F3-49F7-ADDD-390A2F18852D}" type="datetimeFigureOut">
               <a:rPr lang="en-IN" smtClean="0"/>
-              <a:t>27-06-2022</a:t>
+              <a:t>29-06-2022</a:t>
             </a:fld>
             <a:endParaRPr lang="en-IN" dirty="0"/>
           </a:p>
@@ -11497,7 +11513,7 @@
           <a:p>
             <a:fld id="{DADADBEE-92F3-49F7-ADDD-390A2F18852D}" type="datetimeFigureOut">
               <a:rPr lang="en-IN" smtClean="0"/>
-              <a:t>27-06-2022</a:t>
+              <a:t>29-06-2022</a:t>
             </a:fld>
             <a:endParaRPr lang="en-IN" dirty="0"/>
           </a:p>
@@ -11871,7 +11887,7 @@
           <a:p>
             <a:fld id="{DADADBEE-92F3-49F7-ADDD-390A2F18852D}" type="datetimeFigureOut">
               <a:rPr lang="en-IN" smtClean="0"/>
-              <a:t>27-06-2022</a:t>
+              <a:t>29-06-2022</a:t>
             </a:fld>
             <a:endParaRPr lang="en-IN" dirty="0"/>
           </a:p>
@@ -11994,7 +12010,7 @@
           <a:p>
             <a:fld id="{DADADBEE-92F3-49F7-ADDD-390A2F18852D}" type="datetimeFigureOut">
               <a:rPr lang="en-IN" smtClean="0"/>
-              <a:t>27-06-2022</a:t>
+              <a:t>29-06-2022</a:t>
             </a:fld>
             <a:endParaRPr lang="en-IN" dirty="0"/>
           </a:p>
@@ -12089,7 +12105,7 @@
           <a:p>
             <a:fld id="{DADADBEE-92F3-49F7-ADDD-390A2F18852D}" type="datetimeFigureOut">
               <a:rPr lang="en-IN" smtClean="0"/>
-              <a:t>27-06-2022</a:t>
+              <a:t>29-06-2022</a:t>
             </a:fld>
             <a:endParaRPr lang="en-IN" dirty="0"/>
           </a:p>
@@ -12344,7 +12360,7 @@
           <a:p>
             <a:fld id="{DADADBEE-92F3-49F7-ADDD-390A2F18852D}" type="datetimeFigureOut">
               <a:rPr lang="en-IN" smtClean="0"/>
-              <a:t>27-06-2022</a:t>
+              <a:t>29-06-2022</a:t>
             </a:fld>
             <a:endParaRPr lang="en-IN" dirty="0"/>
           </a:p>
@@ -12649,7 +12665,7 @@
           <a:p>
             <a:fld id="{DADADBEE-92F3-49F7-ADDD-390A2F18852D}" type="datetimeFigureOut">
               <a:rPr lang="en-IN" smtClean="0"/>
-              <a:t>27-06-2022</a:t>
+              <a:t>29-06-2022</a:t>
             </a:fld>
             <a:endParaRPr lang="en-IN" dirty="0"/>
           </a:p>
@@ -13351,7 +13367,7 @@
           <a:p>
             <a:fld id="{DADADBEE-92F3-49F7-ADDD-390A2F18852D}" type="datetimeFigureOut">
               <a:rPr lang="en-IN" smtClean="0"/>
-              <a:t>27-06-2022</a:t>
+              <a:t>29-06-2022</a:t>
             </a:fld>
             <a:endParaRPr lang="en-IN" dirty="0"/>
           </a:p>
@@ -14652,18 +14668,11 @@
           </a:p>
           <a:p>
             <a:r>
-              <a:rPr lang="en-US">
-                <a:latin typeface="Times New Roman" panose="02020603050405020304" pitchFamily="18" charset="0"/>
-                <a:cs typeface="Times New Roman" panose="02020603050405020304" pitchFamily="18" charset="0"/>
-              </a:rPr>
-              <a:t>Customer </a:t>
-            </a:r>
-            <a:r>
               <a:rPr lang="en-US" dirty="0">
                 <a:latin typeface="Times New Roman" panose="02020603050405020304" pitchFamily="18" charset="0"/>
                 <a:cs typeface="Times New Roman" panose="02020603050405020304" pitchFamily="18" charset="0"/>
               </a:rPr>
-              <a:t>can buy the products</a:t>
+              <a:t>Customer can buy the products</a:t>
             </a:r>
           </a:p>
           <a:p>
@@ -14674,6 +14683,32 @@
               </a:rPr>
               <a:t>Admin can watch the order list </a:t>
             </a:r>
+          </a:p>
+          <a:p>
+            <a:r>
+              <a:rPr lang="en-US" dirty="0">
+                <a:latin typeface="Times New Roman" panose="02020603050405020304" pitchFamily="18" charset="0"/>
+                <a:cs typeface="Times New Roman" panose="02020603050405020304" pitchFamily="18" charset="0"/>
+              </a:rPr>
+              <a:t>Admin can add and watch the products </a:t>
+            </a:r>
+            <a:r>
+              <a:rPr lang="en-US">
+                <a:latin typeface="Times New Roman" panose="02020603050405020304" pitchFamily="18" charset="0"/>
+                <a:cs typeface="Times New Roman" panose="02020603050405020304" pitchFamily="18" charset="0"/>
+              </a:rPr>
+              <a:t>and categories</a:t>
+            </a:r>
+            <a:endParaRPr lang="en-US" dirty="0">
+              <a:latin typeface="Times New Roman" panose="02020603050405020304" pitchFamily="18" charset="0"/>
+              <a:cs typeface="Times New Roman" panose="02020603050405020304" pitchFamily="18" charset="0"/>
+            </a:endParaRPr>
+          </a:p>
+          <a:p>
+            <a:endParaRPr lang="en-US" dirty="0">
+              <a:latin typeface="Times New Roman" panose="02020603050405020304" pitchFamily="18" charset="0"/>
+              <a:cs typeface="Times New Roman" panose="02020603050405020304" pitchFamily="18" charset="0"/>
+            </a:endParaRPr>
           </a:p>
           <a:p>
             <a:endParaRPr lang="en-IN" dirty="0">
